--- a/202_intro_project.pptx
+++ b/202_intro_project.pptx
@@ -203,7 +203,7 @@
           <a:p>
             <a:fld id="{DDA61B6D-FF76-4B9A-8B7C-EFE742377EF2}" type="datetimeFigureOut">
               <a:rPr lang="en-US" smtClean="0"/>
-              <a:t>12/13/2020</a:t>
+              <a:t>12/18/2020</a:t>
             </a:fld>
             <a:endParaRPr lang="en-US"/>
           </a:p>
@@ -617,7 +617,7 @@
           <a:p>
             <a:fld id="{66F96F98-DC58-4E32-9CEE-8B801C4936EC}" type="datetimeFigureOut">
               <a:rPr lang="en-US" smtClean="0"/>
-              <a:t>12/13/2020</a:t>
+              <a:t>12/18/2020</a:t>
             </a:fld>
             <a:endParaRPr lang="en-US"/>
           </a:p>
@@ -815,7 +815,7 @@
           <a:p>
             <a:fld id="{66F96F98-DC58-4E32-9CEE-8B801C4936EC}" type="datetimeFigureOut">
               <a:rPr lang="en-US" smtClean="0"/>
-              <a:t>12/13/2020</a:t>
+              <a:t>12/18/2020</a:t>
             </a:fld>
             <a:endParaRPr lang="en-US"/>
           </a:p>
@@ -1023,7 +1023,7 @@
           <a:p>
             <a:fld id="{66F96F98-DC58-4E32-9CEE-8B801C4936EC}" type="datetimeFigureOut">
               <a:rPr lang="en-US" smtClean="0"/>
-              <a:t>12/13/2020</a:t>
+              <a:t>12/18/2020</a:t>
             </a:fld>
             <a:endParaRPr lang="en-US"/>
           </a:p>
@@ -1221,7 +1221,7 @@
           <a:p>
             <a:fld id="{66F96F98-DC58-4E32-9CEE-8B801C4936EC}" type="datetimeFigureOut">
               <a:rPr lang="en-US" smtClean="0"/>
-              <a:t>12/13/2020</a:t>
+              <a:t>12/18/2020</a:t>
             </a:fld>
             <a:endParaRPr lang="en-US"/>
           </a:p>
@@ -1496,7 +1496,7 @@
           <a:p>
             <a:fld id="{66F96F98-DC58-4E32-9CEE-8B801C4936EC}" type="datetimeFigureOut">
               <a:rPr lang="en-US" smtClean="0"/>
-              <a:t>12/13/2020</a:t>
+              <a:t>12/18/2020</a:t>
             </a:fld>
             <a:endParaRPr lang="en-US"/>
           </a:p>
@@ -1761,7 +1761,7 @@
           <a:p>
             <a:fld id="{66F96F98-DC58-4E32-9CEE-8B801C4936EC}" type="datetimeFigureOut">
               <a:rPr lang="en-US" smtClean="0"/>
-              <a:t>12/13/2020</a:t>
+              <a:t>12/18/2020</a:t>
             </a:fld>
             <a:endParaRPr lang="en-US"/>
           </a:p>
@@ -2173,7 +2173,7 @@
           <a:p>
             <a:fld id="{66F96F98-DC58-4E32-9CEE-8B801C4936EC}" type="datetimeFigureOut">
               <a:rPr lang="en-US" smtClean="0"/>
-              <a:t>12/13/2020</a:t>
+              <a:t>12/18/2020</a:t>
             </a:fld>
             <a:endParaRPr lang="en-US"/>
           </a:p>
@@ -2314,7 +2314,7 @@
           <a:p>
             <a:fld id="{66F96F98-DC58-4E32-9CEE-8B801C4936EC}" type="datetimeFigureOut">
               <a:rPr lang="en-US" smtClean="0"/>
-              <a:t>12/13/2020</a:t>
+              <a:t>12/18/2020</a:t>
             </a:fld>
             <a:endParaRPr lang="en-US"/>
           </a:p>
@@ -2427,7 +2427,7 @@
           <a:p>
             <a:fld id="{66F96F98-DC58-4E32-9CEE-8B801C4936EC}" type="datetimeFigureOut">
               <a:rPr lang="en-US" smtClean="0"/>
-              <a:t>12/13/2020</a:t>
+              <a:t>12/18/2020</a:t>
             </a:fld>
             <a:endParaRPr lang="en-US"/>
           </a:p>
@@ -2738,7 +2738,7 @@
           <a:p>
             <a:fld id="{66F96F98-DC58-4E32-9CEE-8B801C4936EC}" type="datetimeFigureOut">
               <a:rPr lang="en-US" smtClean="0"/>
-              <a:t>12/13/2020</a:t>
+              <a:t>12/18/2020</a:t>
             </a:fld>
             <a:endParaRPr lang="en-US"/>
           </a:p>
@@ -3026,7 +3026,7 @@
           <a:p>
             <a:fld id="{66F96F98-DC58-4E32-9CEE-8B801C4936EC}" type="datetimeFigureOut">
               <a:rPr lang="en-US" smtClean="0"/>
-              <a:t>12/13/2020</a:t>
+              <a:t>12/18/2020</a:t>
             </a:fld>
             <a:endParaRPr lang="en-US"/>
           </a:p>
@@ -3267,7 +3267,7 @@
           <a:p>
             <a:fld id="{66F96F98-DC58-4E32-9CEE-8B801C4936EC}" type="datetimeFigureOut">
               <a:rPr lang="en-US" smtClean="0"/>
-              <a:t>12/13/2020</a:t>
+              <a:t>12/18/2020</a:t>
             </a:fld>
             <a:endParaRPr lang="en-US"/>
           </a:p>
@@ -7407,7 +7407,7 @@
             </a:pPr>
             <a:r>
               <a:rPr lang="en-US" dirty="0"/>
-              <a:t>Base on the vehicle location (pixel coordinates) in the image, we write an algorithm to figure out the actual location that the vehicle occurs. Then, we can know that which parking slots are available as well as the number of available parking slots.</a:t>
+              <a:t>Base on the vehicle location (pixel coordinates) in the image, we write an algorithm to figure out the actual location that the vehicle occurs. Then, we can know that which parking spots are available as well as the number of available parking spots.</a:t>
             </a:r>
           </a:p>
           <a:p>
